--- a/paper/figures/flowchart.pptx
+++ b/paper/figures/flowchart.pptx
@@ -243,7 +243,7 @@
           <a:p>
             <a:fld id="{84B522E7-5E19-B149-BF94-56DAAB682384}" type="datetimeFigureOut">
               <a:rPr lang="en-US" smtClean="0"/>
-              <a:t>1/18/19</a:t>
+              <a:t>6/3/19</a:t>
             </a:fld>
             <a:endParaRPr lang="en-US"/>
           </a:p>
@@ -413,7 +413,7 @@
           <a:p>
             <a:fld id="{84B522E7-5E19-B149-BF94-56DAAB682384}" type="datetimeFigureOut">
               <a:rPr lang="en-US" smtClean="0"/>
-              <a:t>1/18/19</a:t>
+              <a:t>6/3/19</a:t>
             </a:fld>
             <a:endParaRPr lang="en-US"/>
           </a:p>
@@ -593,7 +593,7 @@
           <a:p>
             <a:fld id="{84B522E7-5E19-B149-BF94-56DAAB682384}" type="datetimeFigureOut">
               <a:rPr lang="en-US" smtClean="0"/>
-              <a:t>1/18/19</a:t>
+              <a:t>6/3/19</a:t>
             </a:fld>
             <a:endParaRPr lang="en-US"/>
           </a:p>
@@ -763,7 +763,7 @@
           <a:p>
             <a:fld id="{84B522E7-5E19-B149-BF94-56DAAB682384}" type="datetimeFigureOut">
               <a:rPr lang="en-US" smtClean="0"/>
-              <a:t>1/18/19</a:t>
+              <a:t>6/3/19</a:t>
             </a:fld>
             <a:endParaRPr lang="en-US"/>
           </a:p>
@@ -1007,7 +1007,7 @@
           <a:p>
             <a:fld id="{84B522E7-5E19-B149-BF94-56DAAB682384}" type="datetimeFigureOut">
               <a:rPr lang="en-US" smtClean="0"/>
-              <a:t>1/18/19</a:t>
+              <a:t>6/3/19</a:t>
             </a:fld>
             <a:endParaRPr lang="en-US"/>
           </a:p>
@@ -1239,7 +1239,7 @@
           <a:p>
             <a:fld id="{84B522E7-5E19-B149-BF94-56DAAB682384}" type="datetimeFigureOut">
               <a:rPr lang="en-US" smtClean="0"/>
-              <a:t>1/18/19</a:t>
+              <a:t>6/3/19</a:t>
             </a:fld>
             <a:endParaRPr lang="en-US"/>
           </a:p>
@@ -1606,7 +1606,7 @@
           <a:p>
             <a:fld id="{84B522E7-5E19-B149-BF94-56DAAB682384}" type="datetimeFigureOut">
               <a:rPr lang="en-US" smtClean="0"/>
-              <a:t>1/18/19</a:t>
+              <a:t>6/3/19</a:t>
             </a:fld>
             <a:endParaRPr lang="en-US"/>
           </a:p>
@@ -1724,7 +1724,7 @@
           <a:p>
             <a:fld id="{84B522E7-5E19-B149-BF94-56DAAB682384}" type="datetimeFigureOut">
               <a:rPr lang="en-US" smtClean="0"/>
-              <a:t>1/18/19</a:t>
+              <a:t>6/3/19</a:t>
             </a:fld>
             <a:endParaRPr lang="en-US"/>
           </a:p>
@@ -1819,7 +1819,7 @@
           <a:p>
             <a:fld id="{84B522E7-5E19-B149-BF94-56DAAB682384}" type="datetimeFigureOut">
               <a:rPr lang="en-US" smtClean="0"/>
-              <a:t>1/18/19</a:t>
+              <a:t>6/3/19</a:t>
             </a:fld>
             <a:endParaRPr lang="en-US"/>
           </a:p>
@@ -2096,7 +2096,7 @@
           <a:p>
             <a:fld id="{84B522E7-5E19-B149-BF94-56DAAB682384}" type="datetimeFigureOut">
               <a:rPr lang="en-US" smtClean="0"/>
-              <a:t>1/18/19</a:t>
+              <a:t>6/3/19</a:t>
             </a:fld>
             <a:endParaRPr lang="en-US"/>
           </a:p>
@@ -2353,7 +2353,7 @@
           <a:p>
             <a:fld id="{84B522E7-5E19-B149-BF94-56DAAB682384}" type="datetimeFigureOut">
               <a:rPr lang="en-US" smtClean="0"/>
-              <a:t>1/18/19</a:t>
+              <a:t>6/3/19</a:t>
             </a:fld>
             <a:endParaRPr lang="en-US"/>
           </a:p>
@@ -2566,7 +2566,7 @@
           <a:p>
             <a:fld id="{84B522E7-5E19-B149-BF94-56DAAB682384}" type="datetimeFigureOut">
               <a:rPr lang="en-US" smtClean="0"/>
-              <a:t>1/18/19</a:t>
+              <a:t>6/3/19</a:t>
             </a:fld>
             <a:endParaRPr lang="en-US"/>
           </a:p>
@@ -3185,7 +3185,7 @@
             <a:pPr algn="ctr"/>
             <a:r>
               <a:rPr lang="en-US" sz="2400" b="1" dirty="0"/>
-              <a:t>Flowchart</a:t>
+              <a:t>Workflow</a:t>
             </a:r>
           </a:p>
         </p:txBody>
@@ -3381,7 +3381,7 @@
             <a:pPr algn="ctr"/>
             <a:r>
               <a:rPr lang="en-US" sz="2000" b="1" dirty="0"/>
-              <a:t>Featurization</a:t>
+              <a:t>Preprocessing</a:t>
             </a:r>
           </a:p>
         </p:txBody>
@@ -3441,7 +3441,7 @@
             <a:pPr algn="ctr"/>
             <a:r>
               <a:rPr lang="en-US" sz="2000" b="1" dirty="0"/>
-              <a:t>Human interpretation</a:t>
+              <a:t>Data Analysis</a:t>
             </a:r>
           </a:p>
         </p:txBody>
@@ -3561,7 +3561,7 @@
             <a:pPr algn="ctr"/>
             <a:r>
               <a:rPr lang="en-US" sz="2000" b="1" dirty="0"/>
-              <a:t>Results analysis</a:t>
+              <a:t>Result analysis</a:t>
             </a:r>
           </a:p>
         </p:txBody>
@@ -3927,16 +3927,10 @@
           </a:bodyPr>
           <a:lstStyle/>
           <a:p>
+            <a:pPr algn="ctr"/>
             <a:r>
               <a:rPr lang="en-US" sz="2000" b="1" dirty="0" err="1"/>
               <a:t>scrape_data.py</a:t>
-            </a:r>
-            <a:endParaRPr lang="en-US" sz="2000" b="1" dirty="0"/>
-          </a:p>
-          <a:p>
-            <a:r>
-              <a:rPr lang="en-US" sz="2000" b="1" dirty="0" err="1"/>
-              <a:t>post_processing.py</a:t>
             </a:r>
             <a:endParaRPr lang="en-US" sz="2000" b="1" dirty="0"/>
           </a:p>
@@ -3994,9 +3988,10 @@
           </a:bodyPr>
           <a:lstStyle/>
           <a:p>
+            <a:pPr algn="ctr"/>
             <a:r>
               <a:rPr lang="en-US" sz="2000" b="1" dirty="0" err="1"/>
-              <a:t>featurize.py</a:t>
+              <a:t>preprocessing.py</a:t>
             </a:r>
             <a:endParaRPr lang="en-US" sz="2000" b="1" dirty="0"/>
           </a:p>
@@ -4054,9 +4049,10 @@
           </a:bodyPr>
           <a:lstStyle/>
           <a:p>
+            <a:pPr algn="ctr"/>
             <a:r>
               <a:rPr lang="en-US" sz="2000" b="1" dirty="0" err="1"/>
-              <a:t>correlation.y</a:t>
+              <a:t>correlation.py</a:t>
             </a:r>
             <a:endParaRPr lang="en-US" sz="2000" b="1" dirty="0"/>
           </a:p>
@@ -4114,6 +4110,7 @@
           </a:bodyPr>
           <a:lstStyle/>
           <a:p>
+            <a:pPr algn="ctr"/>
             <a:r>
               <a:rPr lang="en-US" b="1" dirty="0" err="1"/>
               <a:t>benchmark.py</a:t>
@@ -4121,6 +4118,7 @@
             <a:endParaRPr lang="en-US" b="1" dirty="0"/>
           </a:p>
           <a:p>
+            <a:pPr algn="ctr"/>
             <a:r>
               <a:rPr lang="en-US" b="1" dirty="0" err="1"/>
               <a:t>comosition_prop.py</a:t>
@@ -4128,6 +4126,7 @@
             <a:endParaRPr lang="en-US" b="1" dirty="0"/>
           </a:p>
           <a:p>
+            <a:pPr algn="ctr"/>
             <a:r>
               <a:rPr lang="en-US" b="1" dirty="0"/>
               <a:t>l</a:t>
@@ -4196,9 +4195,10 @@
           </a:bodyPr>
           <a:lstStyle/>
           <a:p>
+            <a:pPr algn="ctr"/>
             <a:r>
               <a:rPr lang="en-US" sz="2000" b="1" dirty="0" err="1"/>
-              <a:t>report_RW.pdf</a:t>
+              <a:t>report.ipynb</a:t>
             </a:r>
             <a:endParaRPr lang="en-US" sz="2000" b="1" dirty="0"/>
           </a:p>
